--- a/Citi Bike Tableau.pptx
+++ b/Citi Bike Tableau.pptx
@@ -1,18 +1,22 @@
 
 <file path=ppt/presentation.xml><?xml version="1.0" encoding="utf-8"?>
-<p:presentation xmlns:a="http://schemas.openxmlformats.org/drawingml/2006/main" xmlns:r="http://schemas.openxmlformats.org/officeDocument/2006/relationships" xmlns:p="http://schemas.openxmlformats.org/presentationml/2006/main" saveSubsetFonts="1">
+<p:presentation xmlns:a="http://schemas.openxmlformats.org/drawingml/2006/main" xmlns:p="http://schemas.openxmlformats.org/presentationml/2006/main" xmlns:r="http://schemas.openxmlformats.org/officeDocument/2006/relationships" saveSubsetFonts="1">
   <p:sldMasterIdLst>
     <p:sldMasterId id="2147483648" r:id="rId1"/>
   </p:sldMasterIdLst>
   <p:sldIdLst>
-    <p:sldId id="256" r:id="rId2"/>
-    <p:sldId id="257" r:id="rId3"/>
-    <p:sldId id="258" r:id="rId4"/>
-    <p:sldId id="259" r:id="rId5"/>
-    <p:sldId id="260" r:id="rId6"/>
-    <p:sldId id="261" r:id="rId7"/>
-    <p:sldId id="262" r:id="rId8"/>
-    <p:sldId id="263" r:id="rId9"/>
+    <p:sldId id="256" r:id="rId6"/>
+    <p:sldId id="257" r:id="rId7"/>
+    <p:sldId id="258" r:id="rId8"/>
+    <p:sldId id="259" r:id="rId9"/>
+    <p:sldId id="260" r:id="rId10"/>
+    <p:sldId id="261" r:id="rId11"/>
+    <p:sldId id="262" r:id="rId12"/>
+    <p:sldId id="263" r:id="rId13"/>
+    <p:sldId id="264" r:id="rId14"/>
+    <p:sldId id="265" r:id="rId15"/>
+    <p:sldId id="266" r:id="rId16"/>
+    <p:sldId id="267" r:id="rId17"/>
   </p:sldIdLst>
   <p:sldSz cx="12192000" cy="6858000"/>
   <p:notesSz cx="6858000" cy="9144000"/>
@@ -20,8 +24,8 @@
     <a:defPPr>
       <a:defRPr lang="en-US"/>
     </a:defPPr>
-    <a:lvl1pPr marL="0" algn="l" defTabSz="914400" rtl="0" eaLnBrk="1" latinLnBrk="0" hangingPunct="1">
-      <a:defRPr sz="1800" kern="1200">
+    <a:lvl1pPr algn="l" defTabSz="914400" eaLnBrk="1" hangingPunct="1" latinLnBrk="0" marL="0" rtl="0">
+      <a:defRPr kern="1200" sz="1800">
         <a:solidFill>
           <a:schemeClr val="tx1"/>
         </a:solidFill>
@@ -30,8 +34,8 @@
         <a:cs typeface="+mn-cs"/>
       </a:defRPr>
     </a:lvl1pPr>
-    <a:lvl2pPr marL="457200" algn="l" defTabSz="914400" rtl="0" eaLnBrk="1" latinLnBrk="0" hangingPunct="1">
-      <a:defRPr sz="1800" kern="1200">
+    <a:lvl2pPr algn="l" defTabSz="914400" eaLnBrk="1" hangingPunct="1" latinLnBrk="0" marL="457200" rtl="0">
+      <a:defRPr kern="1200" sz="1800">
         <a:solidFill>
           <a:schemeClr val="tx1"/>
         </a:solidFill>
@@ -40,8 +44,8 @@
         <a:cs typeface="+mn-cs"/>
       </a:defRPr>
     </a:lvl2pPr>
-    <a:lvl3pPr marL="914400" algn="l" defTabSz="914400" rtl="0" eaLnBrk="1" latinLnBrk="0" hangingPunct="1">
-      <a:defRPr sz="1800" kern="1200">
+    <a:lvl3pPr algn="l" defTabSz="914400" eaLnBrk="1" hangingPunct="1" latinLnBrk="0" marL="914400" rtl="0">
+      <a:defRPr kern="1200" sz="1800">
         <a:solidFill>
           <a:schemeClr val="tx1"/>
         </a:solidFill>
@@ -50,8 +54,8 @@
         <a:cs typeface="+mn-cs"/>
       </a:defRPr>
     </a:lvl3pPr>
-    <a:lvl4pPr marL="1371600" algn="l" defTabSz="914400" rtl="0" eaLnBrk="1" latinLnBrk="0" hangingPunct="1">
-      <a:defRPr sz="1800" kern="1200">
+    <a:lvl4pPr algn="l" defTabSz="914400" eaLnBrk="1" hangingPunct="1" latinLnBrk="0" marL="1371600" rtl="0">
+      <a:defRPr kern="1200" sz="1800">
         <a:solidFill>
           <a:schemeClr val="tx1"/>
         </a:solidFill>
@@ -60,8 +64,8 @@
         <a:cs typeface="+mn-cs"/>
       </a:defRPr>
     </a:lvl4pPr>
-    <a:lvl5pPr marL="1828800" algn="l" defTabSz="914400" rtl="0" eaLnBrk="1" latinLnBrk="0" hangingPunct="1">
-      <a:defRPr sz="1800" kern="1200">
+    <a:lvl5pPr algn="l" defTabSz="914400" eaLnBrk="1" hangingPunct="1" latinLnBrk="0" marL="1828800" rtl="0">
+      <a:defRPr kern="1200" sz="1800">
         <a:solidFill>
           <a:schemeClr val="tx1"/>
         </a:solidFill>
@@ -70,8 +74,8 @@
         <a:cs typeface="+mn-cs"/>
       </a:defRPr>
     </a:lvl5pPr>
-    <a:lvl6pPr marL="2286000" algn="l" defTabSz="914400" rtl="0" eaLnBrk="1" latinLnBrk="0" hangingPunct="1">
-      <a:defRPr sz="1800" kern="1200">
+    <a:lvl6pPr algn="l" defTabSz="914400" eaLnBrk="1" hangingPunct="1" latinLnBrk="0" marL="2286000" rtl="0">
+      <a:defRPr kern="1200" sz="1800">
         <a:solidFill>
           <a:schemeClr val="tx1"/>
         </a:solidFill>
@@ -80,8 +84,8 @@
         <a:cs typeface="+mn-cs"/>
       </a:defRPr>
     </a:lvl6pPr>
-    <a:lvl7pPr marL="2743200" algn="l" defTabSz="914400" rtl="0" eaLnBrk="1" latinLnBrk="0" hangingPunct="1">
-      <a:defRPr sz="1800" kern="1200">
+    <a:lvl7pPr algn="l" defTabSz="914400" eaLnBrk="1" hangingPunct="1" latinLnBrk="0" marL="2743200" rtl="0">
+      <a:defRPr kern="1200" sz="1800">
         <a:solidFill>
           <a:schemeClr val="tx1"/>
         </a:solidFill>
@@ -90,8 +94,8 @@
         <a:cs typeface="+mn-cs"/>
       </a:defRPr>
     </a:lvl7pPr>
-    <a:lvl8pPr marL="3200400" algn="l" defTabSz="914400" rtl="0" eaLnBrk="1" latinLnBrk="0" hangingPunct="1">
-      <a:defRPr sz="1800" kern="1200">
+    <a:lvl8pPr algn="l" defTabSz="914400" eaLnBrk="1" hangingPunct="1" latinLnBrk="0" marL="3200400" rtl="0">
+      <a:defRPr kern="1200" sz="1800">
         <a:solidFill>
           <a:schemeClr val="tx1"/>
         </a:solidFill>
@@ -100,8 +104,8 @@
         <a:cs typeface="+mn-cs"/>
       </a:defRPr>
     </a:lvl8pPr>
-    <a:lvl9pPr marL="3657600" algn="l" defTabSz="914400" rtl="0" eaLnBrk="1" latinLnBrk="0" hangingPunct="1">
-      <a:defRPr sz="1800" kern="1200">
+    <a:lvl9pPr algn="l" defTabSz="914400" eaLnBrk="1" hangingPunct="1" latinLnBrk="0" marL="3657600" rtl="0">
+      <a:defRPr kern="1200" sz="1800">
         <a:solidFill>
           <a:schemeClr val="tx1"/>
         </a:solidFill>
@@ -111,11 +115,6 @@
       </a:defRPr>
     </a:lvl9pPr>
   </p:defaultTextStyle>
-  <p:extLst>
-    <p:ext uri="{EFAFB233-063F-42B5-8137-9DF3F51BA10A}">
-      <p15:sldGuideLst xmlns:p15="http://schemas.microsoft.com/office/powerpoint/2012/main"/>
-    </p:ext>
-  </p:extLst>
 </p:presentation>
 </file>
 
@@ -266,7 +265,7 @@
           <a:p>
             <a:fld id="{EED1C14C-A143-42F5-B247-D0E800131009}" type="datetimeFigureOut">
               <a:rPr lang="en-US" smtClean="0"/>
-              <a:t>1/29/24</a:t>
+              <a:t>8/15/2018</a:t>
             </a:fld>
             <a:endParaRPr lang="en-US"/>
           </a:p>
@@ -464,7 +463,7 @@
           <a:p>
             <a:fld id="{EED1C14C-A143-42F5-B247-D0E800131009}" type="datetimeFigureOut">
               <a:rPr lang="en-US" smtClean="0"/>
-              <a:t>1/29/24</a:t>
+              <a:t>8/15/2018</a:t>
             </a:fld>
             <a:endParaRPr lang="en-US"/>
           </a:p>
@@ -672,7 +671,7 @@
           <a:p>
             <a:fld id="{EED1C14C-A143-42F5-B247-D0E800131009}" type="datetimeFigureOut">
               <a:rPr lang="en-US" smtClean="0"/>
-              <a:t>1/29/24</a:t>
+              <a:t>8/15/2018</a:t>
             </a:fld>
             <a:endParaRPr lang="en-US"/>
           </a:p>
@@ -870,7 +869,7 @@
           <a:p>
             <a:fld id="{EED1C14C-A143-42F5-B247-D0E800131009}" type="datetimeFigureOut">
               <a:rPr lang="en-US" smtClean="0"/>
-              <a:t>1/29/24</a:t>
+              <a:t>8/15/2018</a:t>
             </a:fld>
             <a:endParaRPr lang="en-US"/>
           </a:p>
@@ -1145,7 +1144,7 @@
           <a:p>
             <a:fld id="{EED1C14C-A143-42F5-B247-D0E800131009}" type="datetimeFigureOut">
               <a:rPr lang="en-US" smtClean="0"/>
-              <a:t>1/29/24</a:t>
+              <a:t>8/15/2018</a:t>
             </a:fld>
             <a:endParaRPr lang="en-US"/>
           </a:p>
@@ -1410,7 +1409,7 @@
           <a:p>
             <a:fld id="{EED1C14C-A143-42F5-B247-D0E800131009}" type="datetimeFigureOut">
               <a:rPr lang="en-US" smtClean="0"/>
-              <a:t>1/29/24</a:t>
+              <a:t>8/15/2018</a:t>
             </a:fld>
             <a:endParaRPr lang="en-US"/>
           </a:p>
@@ -1822,7 +1821,7 @@
           <a:p>
             <a:fld id="{EED1C14C-A143-42F5-B247-D0E800131009}" type="datetimeFigureOut">
               <a:rPr lang="en-US" smtClean="0"/>
-              <a:t>1/29/24</a:t>
+              <a:t>8/15/2018</a:t>
             </a:fld>
             <a:endParaRPr lang="en-US"/>
           </a:p>
@@ -1963,7 +1962,7 @@
           <a:p>
             <a:fld id="{EED1C14C-A143-42F5-B247-D0E800131009}" type="datetimeFigureOut">
               <a:rPr lang="en-US" smtClean="0"/>
-              <a:t>1/29/24</a:t>
+              <a:t>8/15/2018</a:t>
             </a:fld>
             <a:endParaRPr lang="en-US"/>
           </a:p>
@@ -2076,7 +2075,7 @@
           <a:p>
             <a:fld id="{EED1C14C-A143-42F5-B247-D0E800131009}" type="datetimeFigureOut">
               <a:rPr lang="en-US" smtClean="0"/>
-              <a:t>1/29/24</a:t>
+              <a:t>8/15/2018</a:t>
             </a:fld>
             <a:endParaRPr lang="en-US"/>
           </a:p>
@@ -2387,7 +2386,7 @@
           <a:p>
             <a:fld id="{EED1C14C-A143-42F5-B247-D0E800131009}" type="datetimeFigureOut">
               <a:rPr lang="en-US" smtClean="0"/>
-              <a:t>1/29/24</a:t>
+              <a:t>8/15/2018</a:t>
             </a:fld>
             <a:endParaRPr lang="en-US"/>
           </a:p>
@@ -2675,7 +2674,7 @@
           <a:p>
             <a:fld id="{EED1C14C-A143-42F5-B247-D0E800131009}" type="datetimeFigureOut">
               <a:rPr lang="en-US" smtClean="0"/>
-              <a:t>1/29/24</a:t>
+              <a:t>8/15/2018</a:t>
             </a:fld>
             <a:endParaRPr lang="en-US"/>
           </a:p>
@@ -2916,7 +2915,7 @@
           <a:p>
             <a:fld id="{EED1C14C-A143-42F5-B247-D0E800131009}" type="datetimeFigureOut">
               <a:rPr lang="en-US" smtClean="0"/>
-              <a:t>1/29/24</a:t>
+              <a:t>8/15/2018</a:t>
             </a:fld>
             <a:endParaRPr lang="en-US"/>
           </a:p>
@@ -3317,7 +3316,7 @@
 </file>
 
 <file path=ppt/slides/slide1.xml><?xml version="1.0" encoding="utf-8"?>
-<p:sld xmlns:a="http://schemas.openxmlformats.org/drawingml/2006/main" xmlns:r="http://schemas.openxmlformats.org/officeDocument/2006/relationships" xmlns:p="http://schemas.openxmlformats.org/presentationml/2006/main">
+<p:sld xmlns:a="http://schemas.openxmlformats.org/drawingml/2006/main" xmlns:p="http://schemas.openxmlformats.org/presentationml/2006/main" xmlns:r="http://schemas.openxmlformats.org/officeDocument/2006/relationships">
   <p:cSld>
     <p:spTree>
       <p:nvGrpSpPr>
@@ -3335,18 +3334,18 @@
       </p:grpSpPr>
       <p:sp>
         <p:nvSpPr>
-          <p:cNvPr id="2" name="slide1">
-            <a:extLst>
-              <a:ext uri="{FF2B5EF4-FFF2-40B4-BE49-F238E27FC236}">
-                <a16:creationId xmlns:a16="http://schemas.microsoft.com/office/drawing/2014/main" id="{AFB38422-1E27-46A8-9411-4B946900A655}"/>
-              </a:ext>
-            </a:extLst>
-          </p:cNvPr>
-          <p:cNvSpPr>
-            <a:spLocks noGrp="1"/>
-          </p:cNvSpPr>
-          <p:nvPr>
-            <p:ph type="ctrTitle"/>
+          <p:cNvPr id="0" name="slide1">
+            <a:extLst>
+              <a:ext uri="{FF2B5EF4-FFF2-40B4-BE49-F238E27FC236}">
+                <a16:creationId xmlns:a16="http://schemas.microsoft.com/office/drawing/2014/main" id="{5BF2D505-EEE5-4699-8ADE-B35A8E1C3265}"/>
+              </a:ext>
+            </a:extLst>
+          </p:cNvPr>
+          <p:cNvSpPr>
+            <a:spLocks noGrp="1"/>
+          </p:cNvSpPr>
+          <p:nvPr>
+            <p:ph idx="0" type="ctrTitle"/>
           </p:nvPr>
         </p:nvSpPr>
         <p:spPr/>
@@ -3355,6 +3354,7 @@
           <a:lstStyle/>
           <a:p>
             <a:r>
+              <a:rPr/>
               <a:t>Citi Bike Tableau</a:t>
             </a:r>
           </a:p>
@@ -3362,18 +3362,18 @@
       </p:sp>
       <p:sp>
         <p:nvSpPr>
-          <p:cNvPr id="3" name="slide1">
-            <a:extLst>
-              <a:ext uri="{FF2B5EF4-FFF2-40B4-BE49-F238E27FC236}">
-                <a16:creationId xmlns:a16="http://schemas.microsoft.com/office/drawing/2014/main" id="{62CA8917-BDB7-4767-8BEB-09B316EB0B28}"/>
-              </a:ext>
-            </a:extLst>
-          </p:cNvPr>
-          <p:cNvSpPr>
-            <a:spLocks noGrp="1"/>
-          </p:cNvSpPr>
-          <p:nvPr>
-            <p:ph type="subTitle" idx="1"/>
+          <p:cNvPr id="1" name="slide1">
+            <a:extLst>
+              <a:ext uri="{FF2B5EF4-FFF2-40B4-BE49-F238E27FC236}">
+                <a16:creationId xmlns:a16="http://schemas.microsoft.com/office/drawing/2014/main" id="{15B68F6B-A8C3-4048-BD37-3DF1FBB674A3}"/>
+              </a:ext>
+            </a:extLst>
+          </p:cNvPr>
+          <p:cNvSpPr>
+            <a:spLocks noGrp="1"/>
+          </p:cNvSpPr>
+          <p:nvPr>
+            <p:ph idx="1" type="subTitle"/>
           </p:nvPr>
         </p:nvSpPr>
         <p:spPr/>
@@ -3381,7 +3381,10 @@
           <a:bodyPr/>
           <a:lstStyle/>
           <a:p>
-            <a:endParaRPr dirty="0"/>
+            <a:r>
+              <a:rPr/>
+              <a:t>File created on: 1/29/24 8:28:15 PM CST</a:t>
+            </a:r>
           </a:p>
         </p:txBody>
       </p:sp>
@@ -3398,8 +3401,8 @@
 </p:sld>
 </file>
 
-<file path=ppt/slides/slide2.xml><?xml version="1.0" encoding="utf-8"?>
-<p:sld xmlns:a="http://schemas.openxmlformats.org/drawingml/2006/main" xmlns:r="http://schemas.openxmlformats.org/officeDocument/2006/relationships" xmlns:p="http://schemas.openxmlformats.org/presentationml/2006/main">
+<file path=ppt/slides/slide10.xml><?xml version="1.0" encoding="utf-8"?>
+<p:sld xmlns:a="http://schemas.openxmlformats.org/drawingml/2006/main" xmlns:p="http://schemas.openxmlformats.org/presentationml/2006/main" xmlns:r="http://schemas.openxmlformats.org/officeDocument/2006/relationships">
   <p:cSld>
     <p:spTree>
       <p:nvGrpSpPr>
@@ -3417,10 +3420,10 @@
       </p:grpSpPr>
       <p:pic>
         <p:nvPicPr>
-          <p:cNvPr id="2" name="slide2" descr="Total Rides">
-            <a:extLst>
-              <a:ext uri="{FF2B5EF4-FFF2-40B4-BE49-F238E27FC236}">
-                <a16:creationId xmlns:a16="http://schemas.microsoft.com/office/drawing/2014/main" id="{A80C705E-15CE-400C-A130-CAB877A48D36}"/>
+          <p:cNvPr descr="Bike Story1" id="10" name="slide10">
+            <a:extLst>
+              <a:ext uri="{FF2B5EF4-FFF2-40B4-BE49-F238E27FC236}">
+                <a16:creationId xmlns:a16="http://schemas.microsoft.com/office/drawing/2014/main" id="{A73EACFE-8AA0-493D-9D05-2E6299CDF392}"/>
               </a:ext>
             </a:extLst>
           </p:cNvPr>
@@ -3430,7 +3433,7 @@
           <p:nvPr/>
         </p:nvPicPr>
         <p:blipFill>
-          <a:blip r:embed="rId2">
+          <a:blip r:embed="rId15">
             <a:extLst>
               <a:ext uri="{28A0092B-C50C-407E-A947-70E740481C1C}">
                 <a14:useLocalDpi xmlns:a14="http://schemas.microsoft.com/office/drawing/2010/main" val="0"/>
@@ -3443,8 +3446,206 @@
         </p:blipFill>
         <p:spPr>
           <a:xfrm>
-            <a:off x="971550" y="2747962"/>
-            <a:ext cx="10248900" cy="1362075"/>
+            <a:off x="2482033" y="0"/>
+            <a:ext cx="7227934" cy="6858000"/>
+          </a:xfrm>
+          <a:prstGeom prst="rect">
+            <a:avLst/>
+          </a:prstGeom>
+        </p:spPr>
+      </p:pic>
+    </p:spTree>
+    <p:extLst>
+      <p:ext uri="{BB962C8B-B14F-4D97-AF65-F5344CB8AC3E}">
+        <p14:creationId xmlns:p14="http://schemas.microsoft.com/office/powerpoint/2010/main" val="95992585"/>
+      </p:ext>
+    </p:extLst>
+  </p:cSld>
+  <p:clrMapOvr>
+    <a:masterClrMapping/>
+  </p:clrMapOvr>
+</p:sld>
+</file>
+
+<file path=ppt/slides/slide11.xml><?xml version="1.0" encoding="utf-8"?>
+<p:sld xmlns:a="http://schemas.openxmlformats.org/drawingml/2006/main" xmlns:p="http://schemas.openxmlformats.org/presentationml/2006/main" xmlns:r="http://schemas.openxmlformats.org/officeDocument/2006/relationships">
+  <p:cSld>
+    <p:spTree>
+      <p:nvGrpSpPr>
+        <p:cNvPr id="1" name=""/>
+        <p:cNvGrpSpPr/>
+        <p:nvPr/>
+      </p:nvGrpSpPr>
+      <p:grpSpPr>
+        <a:xfrm>
+          <a:off x="0" y="0"/>
+          <a:ext cx="0" cy="0"/>
+          <a:chOff x="0" y="0"/>
+          <a:chExt cx="0" cy="0"/>
+        </a:xfrm>
+      </p:grpSpPr>
+      <p:pic>
+        <p:nvPicPr>
+          <p:cNvPr descr="Bike Story2" id="11" name="slide11">
+            <a:extLst>
+              <a:ext uri="{FF2B5EF4-FFF2-40B4-BE49-F238E27FC236}">
+                <a16:creationId xmlns:a16="http://schemas.microsoft.com/office/drawing/2014/main" id="{0E3120E9-5827-4305-A064-8463FACAF317}"/>
+              </a:ext>
+            </a:extLst>
+          </p:cNvPr>
+          <p:cNvPicPr>
+            <a:picLocks noChangeAspect="1"/>
+          </p:cNvPicPr>
+          <p:nvPr/>
+        </p:nvPicPr>
+        <p:blipFill>
+          <a:blip r:embed="rId16">
+            <a:extLst>
+              <a:ext uri="{28A0092B-C50C-407E-A947-70E740481C1C}">
+                <a14:useLocalDpi xmlns:a14="http://schemas.microsoft.com/office/drawing/2010/main" val="0"/>
+              </a:ext>
+            </a:extLst>
+          </a:blip>
+          <a:stretch>
+            <a:fillRect/>
+          </a:stretch>
+        </p:blipFill>
+        <p:spPr>
+          <a:xfrm>
+            <a:off x="2482033" y="0"/>
+            <a:ext cx="7227934" cy="6858000"/>
+          </a:xfrm>
+          <a:prstGeom prst="rect">
+            <a:avLst/>
+          </a:prstGeom>
+        </p:spPr>
+      </p:pic>
+    </p:spTree>
+    <p:extLst>
+      <p:ext uri="{BB962C8B-B14F-4D97-AF65-F5344CB8AC3E}">
+        <p14:creationId xmlns:p14="http://schemas.microsoft.com/office/powerpoint/2010/main" val="95992585"/>
+      </p:ext>
+    </p:extLst>
+  </p:cSld>
+  <p:clrMapOvr>
+    <a:masterClrMapping/>
+  </p:clrMapOvr>
+</p:sld>
+</file>
+
+<file path=ppt/slides/slide12.xml><?xml version="1.0" encoding="utf-8"?>
+<p:sld xmlns:a="http://schemas.openxmlformats.org/drawingml/2006/main" xmlns:p="http://schemas.openxmlformats.org/presentationml/2006/main" xmlns:r="http://schemas.openxmlformats.org/officeDocument/2006/relationships">
+  <p:cSld>
+    <p:spTree>
+      <p:nvGrpSpPr>
+        <p:cNvPr id="1" name=""/>
+        <p:cNvGrpSpPr/>
+        <p:nvPr/>
+      </p:nvGrpSpPr>
+      <p:grpSpPr>
+        <a:xfrm>
+          <a:off x="0" y="0"/>
+          <a:ext cx="0" cy="0"/>
+          <a:chOff x="0" y="0"/>
+          <a:chExt cx="0" cy="0"/>
+        </a:xfrm>
+      </p:grpSpPr>
+      <p:pic>
+        <p:nvPicPr>
+          <p:cNvPr descr="Bike Story3" id="12" name="slide12">
+            <a:extLst>
+              <a:ext uri="{FF2B5EF4-FFF2-40B4-BE49-F238E27FC236}">
+                <a16:creationId xmlns:a16="http://schemas.microsoft.com/office/drawing/2014/main" id="{5950AA1B-B7AF-4680-A142-2FAA0DDCF2ED}"/>
+              </a:ext>
+            </a:extLst>
+          </p:cNvPr>
+          <p:cNvPicPr>
+            <a:picLocks noChangeAspect="1"/>
+          </p:cNvPicPr>
+          <p:nvPr/>
+        </p:nvPicPr>
+        <p:blipFill>
+          <a:blip r:embed="rId17">
+            <a:extLst>
+              <a:ext uri="{28A0092B-C50C-407E-A947-70E740481C1C}">
+                <a14:useLocalDpi xmlns:a14="http://schemas.microsoft.com/office/drawing/2010/main" val="0"/>
+              </a:ext>
+            </a:extLst>
+          </a:blip>
+          <a:stretch>
+            <a:fillRect/>
+          </a:stretch>
+        </p:blipFill>
+        <p:spPr>
+          <a:xfrm>
+            <a:off x="2482033" y="0"/>
+            <a:ext cx="7227934" cy="6858000"/>
+          </a:xfrm>
+          <a:prstGeom prst="rect">
+            <a:avLst/>
+          </a:prstGeom>
+        </p:spPr>
+      </p:pic>
+    </p:spTree>
+    <p:extLst>
+      <p:ext uri="{BB962C8B-B14F-4D97-AF65-F5344CB8AC3E}">
+        <p14:creationId xmlns:p14="http://schemas.microsoft.com/office/powerpoint/2010/main" val="95992585"/>
+      </p:ext>
+    </p:extLst>
+  </p:cSld>
+  <p:clrMapOvr>
+    <a:masterClrMapping/>
+  </p:clrMapOvr>
+</p:sld>
+</file>
+
+<file path=ppt/slides/slide2.xml><?xml version="1.0" encoding="utf-8"?>
+<p:sld xmlns:a="http://schemas.openxmlformats.org/drawingml/2006/main" xmlns:p="http://schemas.openxmlformats.org/presentationml/2006/main" xmlns:r="http://schemas.openxmlformats.org/officeDocument/2006/relationships">
+  <p:cSld>
+    <p:spTree>
+      <p:nvGrpSpPr>
+        <p:cNvPr id="1" name=""/>
+        <p:cNvGrpSpPr/>
+        <p:nvPr/>
+      </p:nvGrpSpPr>
+      <p:grpSpPr>
+        <a:xfrm>
+          <a:off x="0" y="0"/>
+          <a:ext cx="0" cy="0"/>
+          <a:chOff x="0" y="0"/>
+          <a:chExt cx="0" cy="0"/>
+        </a:xfrm>
+      </p:grpSpPr>
+      <p:pic>
+        <p:nvPicPr>
+          <p:cNvPr descr="Total Rides" id="2" name="slide2">
+            <a:extLst>
+              <a:ext uri="{FF2B5EF4-FFF2-40B4-BE49-F238E27FC236}">
+                <a16:creationId xmlns:a16="http://schemas.microsoft.com/office/drawing/2014/main" id="{C20A9D53-6E52-499F-AE71-B60FF0858D10}"/>
+              </a:ext>
+            </a:extLst>
+          </p:cNvPr>
+          <p:cNvPicPr>
+            <a:picLocks noChangeAspect="1"/>
+          </p:cNvPicPr>
+          <p:nvPr/>
+        </p:nvPicPr>
+        <p:blipFill>
+          <a:blip r:embed="rId7">
+            <a:extLst>
+              <a:ext uri="{28A0092B-C50C-407E-A947-70E740481C1C}">
+                <a14:useLocalDpi xmlns:a14="http://schemas.microsoft.com/office/drawing/2010/main" val="0"/>
+              </a:ext>
+            </a:extLst>
+          </a:blip>
+          <a:stretch>
+            <a:fillRect/>
+          </a:stretch>
+        </p:blipFill>
+        <p:spPr>
+          <a:xfrm>
+            <a:off x="2495550" y="2752725"/>
+            <a:ext cx="7200900" cy="1352550"/>
           </a:xfrm>
           <a:prstGeom prst="rect">
             <a:avLst/>
@@ -3465,7 +3666,7 @@
 </file>
 
 <file path=ppt/slides/slide3.xml><?xml version="1.0" encoding="utf-8"?>
-<p:sld xmlns:a="http://schemas.openxmlformats.org/drawingml/2006/main" xmlns:r="http://schemas.openxmlformats.org/officeDocument/2006/relationships" xmlns:p="http://schemas.openxmlformats.org/presentationml/2006/main">
+<p:sld xmlns:a="http://schemas.openxmlformats.org/drawingml/2006/main" xmlns:p="http://schemas.openxmlformats.org/presentationml/2006/main" xmlns:r="http://schemas.openxmlformats.org/officeDocument/2006/relationships">
   <p:cSld>
     <p:spTree>
       <p:nvGrpSpPr>
@@ -3483,10 +3684,10 @@
       </p:grpSpPr>
       <p:pic>
         <p:nvPicPr>
-          <p:cNvPr id="3" name="slide3" descr="Subscribers v Short-Term">
-            <a:extLst>
-              <a:ext uri="{FF2B5EF4-FFF2-40B4-BE49-F238E27FC236}">
-                <a16:creationId xmlns:a16="http://schemas.microsoft.com/office/drawing/2014/main" id="{03EC8E65-DDDF-49CE-B88C-9DCA2CD651D7}"/>
+          <p:cNvPr descr="Subscribers v Short-Term" id="3" name="slide3">
+            <a:extLst>
+              <a:ext uri="{FF2B5EF4-FFF2-40B4-BE49-F238E27FC236}">
+                <a16:creationId xmlns:a16="http://schemas.microsoft.com/office/drawing/2014/main" id="{05E8698C-9EC0-4A7F-AE3E-39FCEEA4EE94}"/>
               </a:ext>
             </a:extLst>
           </p:cNvPr>
@@ -3496,7 +3697,7 @@
           <p:nvPr/>
         </p:nvPicPr>
         <p:blipFill>
-          <a:blip r:embed="rId2">
+          <a:blip r:embed="rId8">
             <a:extLst>
               <a:ext uri="{28A0092B-C50C-407E-A947-70E740481C1C}">
                 <a14:useLocalDpi xmlns:a14="http://schemas.microsoft.com/office/drawing/2010/main" val="0"/>
@@ -3509,8 +3710,8 @@
         </p:blipFill>
         <p:spPr>
           <a:xfrm>
-            <a:off x="728662" y="176212"/>
-            <a:ext cx="10734675" cy="6505575"/>
+            <a:off x="2252662" y="119062"/>
+            <a:ext cx="7686675" cy="6619875"/>
           </a:xfrm>
           <a:prstGeom prst="rect">
             <a:avLst/>
@@ -3531,7 +3732,7 @@
 </file>
 
 <file path=ppt/slides/slide4.xml><?xml version="1.0" encoding="utf-8"?>
-<p:sld xmlns:a="http://schemas.openxmlformats.org/drawingml/2006/main" xmlns:r="http://schemas.openxmlformats.org/officeDocument/2006/relationships" xmlns:p="http://schemas.openxmlformats.org/presentationml/2006/main">
+<p:sld xmlns:a="http://schemas.openxmlformats.org/drawingml/2006/main" xmlns:p="http://schemas.openxmlformats.org/presentationml/2006/main" xmlns:r="http://schemas.openxmlformats.org/officeDocument/2006/relationships">
   <p:cSld>
     <p:spTree>
       <p:nvGrpSpPr>
@@ -3549,10 +3750,10 @@
       </p:grpSpPr>
       <p:pic>
         <p:nvPicPr>
-          <p:cNvPr id="4" name="slide4" descr="Top 10 Station">
-            <a:extLst>
-              <a:ext uri="{FF2B5EF4-FFF2-40B4-BE49-F238E27FC236}">
-                <a16:creationId xmlns:a16="http://schemas.microsoft.com/office/drawing/2014/main" id="{BED085E5-FCE0-462D-A5C4-825EB275F1CD}"/>
+          <p:cNvPr descr="Top 10 Station" id="4" name="slide4">
+            <a:extLst>
+              <a:ext uri="{FF2B5EF4-FFF2-40B4-BE49-F238E27FC236}">
+                <a16:creationId xmlns:a16="http://schemas.microsoft.com/office/drawing/2014/main" id="{A024D97A-83BE-49F5-B01B-0E09FC48734A}"/>
               </a:ext>
             </a:extLst>
           </p:cNvPr>
@@ -3562,7 +3763,7 @@
           <p:nvPr/>
         </p:nvPicPr>
         <p:blipFill>
-          <a:blip r:embed="rId2">
+          <a:blip r:embed="rId9">
             <a:extLst>
               <a:ext uri="{28A0092B-C50C-407E-A947-70E740481C1C}">
                 <a14:useLocalDpi xmlns:a14="http://schemas.microsoft.com/office/drawing/2010/main" val="0"/>
@@ -3575,8 +3776,8 @@
         </p:blipFill>
         <p:spPr>
           <a:xfrm>
-            <a:off x="333375" y="1714500"/>
-            <a:ext cx="11525250" cy="3429000"/>
+            <a:off x="1857375" y="1714500"/>
+            <a:ext cx="8477250" cy="3429000"/>
           </a:xfrm>
           <a:prstGeom prst="rect">
             <a:avLst/>
@@ -3597,7 +3798,7 @@
 </file>
 
 <file path=ppt/slides/slide5.xml><?xml version="1.0" encoding="utf-8"?>
-<p:sld xmlns:a="http://schemas.openxmlformats.org/drawingml/2006/main" xmlns:r="http://schemas.openxmlformats.org/officeDocument/2006/relationships" xmlns:p="http://schemas.openxmlformats.org/presentationml/2006/main">
+<p:sld xmlns:a="http://schemas.openxmlformats.org/drawingml/2006/main" xmlns:p="http://schemas.openxmlformats.org/presentationml/2006/main" xmlns:r="http://schemas.openxmlformats.org/officeDocument/2006/relationships">
   <p:cSld>
     <p:spTree>
       <p:nvGrpSpPr>
@@ -3615,10 +3816,10 @@
       </p:grpSpPr>
       <p:pic>
         <p:nvPicPr>
-          <p:cNvPr id="5" name="slide5" descr="Top 10 End">
-            <a:extLst>
-              <a:ext uri="{FF2B5EF4-FFF2-40B4-BE49-F238E27FC236}">
-                <a16:creationId xmlns:a16="http://schemas.microsoft.com/office/drawing/2014/main" id="{830606DB-5C29-47BC-A75E-7064C1FF1699}"/>
+          <p:cNvPr descr="Top 10 End" id="5" name="slide5">
+            <a:extLst>
+              <a:ext uri="{FF2B5EF4-FFF2-40B4-BE49-F238E27FC236}">
+                <a16:creationId xmlns:a16="http://schemas.microsoft.com/office/drawing/2014/main" id="{855C5BBF-762A-479C-BDA6-19D61A167433}"/>
               </a:ext>
             </a:extLst>
           </p:cNvPr>
@@ -3628,7 +3829,7 @@
           <p:nvPr/>
         </p:nvPicPr>
         <p:blipFill>
-          <a:blip r:embed="rId2">
+          <a:blip r:embed="rId10">
             <a:extLst>
               <a:ext uri="{28A0092B-C50C-407E-A947-70E740481C1C}">
                 <a14:useLocalDpi xmlns:a14="http://schemas.microsoft.com/office/drawing/2010/main" val="0"/>
@@ -3641,8 +3842,8 @@
         </p:blipFill>
         <p:spPr>
           <a:xfrm>
-            <a:off x="333375" y="1714500"/>
-            <a:ext cx="11525250" cy="3429000"/>
+            <a:off x="1857375" y="1714500"/>
+            <a:ext cx="8477250" cy="3429000"/>
           </a:xfrm>
           <a:prstGeom prst="rect">
             <a:avLst/>
@@ -3663,7 +3864,7 @@
 </file>
 
 <file path=ppt/slides/slide6.xml><?xml version="1.0" encoding="utf-8"?>
-<p:sld xmlns:a="http://schemas.openxmlformats.org/drawingml/2006/main" xmlns:r="http://schemas.openxmlformats.org/officeDocument/2006/relationships" xmlns:p="http://schemas.openxmlformats.org/presentationml/2006/main">
+<p:sld xmlns:a="http://schemas.openxmlformats.org/drawingml/2006/main" xmlns:p="http://schemas.openxmlformats.org/presentationml/2006/main" xmlns:r="http://schemas.openxmlformats.org/officeDocument/2006/relationships">
   <p:cSld>
     <p:spTree>
       <p:nvGrpSpPr>
@@ -3681,10 +3882,10 @@
       </p:grpSpPr>
       <p:pic>
         <p:nvPicPr>
-          <p:cNvPr id="6" name="slide6" descr="Map">
-            <a:extLst>
-              <a:ext uri="{FF2B5EF4-FFF2-40B4-BE49-F238E27FC236}">
-                <a16:creationId xmlns:a16="http://schemas.microsoft.com/office/drawing/2014/main" id="{F5E34C60-6E91-4DE5-B2B9-E9BD4174EDAB}"/>
+          <p:cNvPr descr="Map" id="6" name="slide6">
+            <a:extLst>
+              <a:ext uri="{FF2B5EF4-FFF2-40B4-BE49-F238E27FC236}">
+                <a16:creationId xmlns:a16="http://schemas.microsoft.com/office/drawing/2014/main" id="{F79169C0-A4B7-4483-8C06-1BDDF634EE26}"/>
               </a:ext>
             </a:extLst>
           </p:cNvPr>
@@ -3693,21 +3894,22 @@
           </p:cNvPicPr>
           <p:nvPr/>
         </p:nvPicPr>
-        <p:blipFill rotWithShape="1">
-          <a:blip r:embed="rId2">
+        <p:blipFill>
+          <a:blip r:embed="rId11">
             <a:extLst>
               <a:ext uri="{28A0092B-C50C-407E-A947-70E740481C1C}">
                 <a14:useLocalDpi xmlns:a14="http://schemas.microsoft.com/office/drawing/2010/main" val="0"/>
               </a:ext>
             </a:extLst>
           </a:blip>
-          <a:srcRect r="42750" b="86595"/>
-          <a:stretch/>
+          <a:stretch>
+            <a:fillRect/>
+          </a:stretch>
         </p:blipFill>
         <p:spPr>
           <a:xfrm>
-            <a:off x="1166927" y="894361"/>
-            <a:ext cx="9858146" cy="5379830"/>
+            <a:off x="5325484" y="0"/>
+            <a:ext cx="1541031" cy="6858000"/>
           </a:xfrm>
           <a:prstGeom prst="rect">
             <a:avLst/>
@@ -3728,7 +3930,7 @@
 </file>
 
 <file path=ppt/slides/slide7.xml><?xml version="1.0" encoding="utf-8"?>
-<p:sld xmlns:a="http://schemas.openxmlformats.org/drawingml/2006/main" xmlns:r="http://schemas.openxmlformats.org/officeDocument/2006/relationships" xmlns:p="http://schemas.openxmlformats.org/presentationml/2006/main">
+<p:sld xmlns:a="http://schemas.openxmlformats.org/drawingml/2006/main" xmlns:p="http://schemas.openxmlformats.org/presentationml/2006/main" xmlns:r="http://schemas.openxmlformats.org/officeDocument/2006/relationships">
   <p:cSld>
     <p:spTree>
       <p:nvGrpSpPr>
@@ -3746,10 +3948,10 @@
       </p:grpSpPr>
       <p:pic>
         <p:nvPicPr>
-          <p:cNvPr id="7" name="slide7" descr="Ride Type">
-            <a:extLst>
-              <a:ext uri="{FF2B5EF4-FFF2-40B4-BE49-F238E27FC236}">
-                <a16:creationId xmlns:a16="http://schemas.microsoft.com/office/drawing/2014/main" id="{91DB38DE-DB2A-4AE1-9E06-9E0736F22A70}"/>
+          <p:cNvPr descr="Ride Type" id="7" name="slide7">
+            <a:extLst>
+              <a:ext uri="{FF2B5EF4-FFF2-40B4-BE49-F238E27FC236}">
+                <a16:creationId xmlns:a16="http://schemas.microsoft.com/office/drawing/2014/main" id="{DB96DDA1-5CBB-4808-96D0-F8D7CCBA219F}"/>
               </a:ext>
             </a:extLst>
           </p:cNvPr>
@@ -3759,7 +3961,7 @@
           <p:nvPr/>
         </p:nvPicPr>
         <p:blipFill>
-          <a:blip r:embed="rId2">
+          <a:blip r:embed="rId12">
             <a:extLst>
               <a:ext uri="{28A0092B-C50C-407E-A947-70E740481C1C}">
                 <a14:useLocalDpi xmlns:a14="http://schemas.microsoft.com/office/drawing/2010/main" val="0"/>
@@ -3772,8 +3974,8 @@
         </p:blipFill>
         <p:spPr>
           <a:xfrm>
-            <a:off x="4549498" y="0"/>
-            <a:ext cx="3093004" cy="6858000"/>
+            <a:off x="5045971" y="0"/>
+            <a:ext cx="2100057" cy="6858000"/>
           </a:xfrm>
           <a:prstGeom prst="rect">
             <a:avLst/>
@@ -3794,7 +3996,7 @@
 </file>
 
 <file path=ppt/slides/slide8.xml><?xml version="1.0" encoding="utf-8"?>
-<p:sld xmlns:a="http://schemas.openxmlformats.org/drawingml/2006/main" xmlns:r="http://schemas.openxmlformats.org/officeDocument/2006/relationships" xmlns:p="http://schemas.openxmlformats.org/presentationml/2006/main">
+<p:sld xmlns:a="http://schemas.openxmlformats.org/drawingml/2006/main" xmlns:p="http://schemas.openxmlformats.org/presentationml/2006/main" xmlns:r="http://schemas.openxmlformats.org/officeDocument/2006/relationships">
   <p:cSld>
     <p:spTree>
       <p:nvGrpSpPr>
@@ -3812,10 +4014,10 @@
       </p:grpSpPr>
       <p:pic>
         <p:nvPicPr>
-          <p:cNvPr id="8" name="slide8" descr="Dashboard 1">
-            <a:extLst>
-              <a:ext uri="{FF2B5EF4-FFF2-40B4-BE49-F238E27FC236}">
-                <a16:creationId xmlns:a16="http://schemas.microsoft.com/office/drawing/2014/main" id="{BCC3D871-86C2-4AEE-99C9-6BF35A1D42E4}"/>
+          <p:cNvPr descr="Location" id="8" name="slide8">
+            <a:extLst>
+              <a:ext uri="{FF2B5EF4-FFF2-40B4-BE49-F238E27FC236}">
+                <a16:creationId xmlns:a16="http://schemas.microsoft.com/office/drawing/2014/main" id="{F62B4307-99EC-4CD5-B4DC-E41F5B695014}"/>
               </a:ext>
             </a:extLst>
           </p:cNvPr>
@@ -3825,7 +4027,7 @@
           <p:nvPr/>
         </p:nvPicPr>
         <p:blipFill>
-          <a:blip r:embed="rId2">
+          <a:blip r:embed="rId13">
             <a:extLst>
               <a:ext uri="{28A0092B-C50C-407E-A947-70E740481C1C}">
                 <a14:useLocalDpi xmlns:a14="http://schemas.microsoft.com/office/drawing/2010/main" val="0"/>
@@ -3846,6 +4048,102 @@
           </a:prstGeom>
         </p:spPr>
       </p:pic>
+    </p:spTree>
+    <p:extLst>
+      <p:ext uri="{BB962C8B-B14F-4D97-AF65-F5344CB8AC3E}">
+        <p14:creationId xmlns:p14="http://schemas.microsoft.com/office/powerpoint/2010/main" val="95992585"/>
+      </p:ext>
+    </p:extLst>
+  </p:cSld>
+  <p:clrMapOvr>
+    <a:masterClrMapping/>
+  </p:clrMapOvr>
+</p:sld>
+</file>
+
+<file path=ppt/slides/slide9.xml><?xml version="1.0" encoding="utf-8"?>
+<p:sld xmlns:a="http://schemas.openxmlformats.org/drawingml/2006/main" xmlns:p="http://schemas.openxmlformats.org/presentationml/2006/main" xmlns:r="http://schemas.openxmlformats.org/officeDocument/2006/relationships">
+  <p:cSld>
+    <p:spTree>
+      <p:nvGrpSpPr>
+        <p:cNvPr id="1" name=""/>
+        <p:cNvGrpSpPr/>
+        <p:nvPr/>
+      </p:nvGrpSpPr>
+      <p:grpSpPr>
+        <a:xfrm>
+          <a:off x="0" y="0"/>
+          <a:ext cx="0" cy="0"/>
+          <a:chOff x="0" y="0"/>
+          <a:chExt cx="0" cy="0"/>
+        </a:xfrm>
+      </p:grpSpPr>
+      <p:pic>
+        <p:nvPicPr>
+          <p:cNvPr descr="Riders" id="9" name="slide9">
+            <a:extLst>
+              <a:ext uri="{FF2B5EF4-FFF2-40B4-BE49-F238E27FC236}">
+                <a16:creationId xmlns:a16="http://schemas.microsoft.com/office/drawing/2014/main" id="{08B1598A-66D5-4748-AEE1-B4DB25749854}"/>
+              </a:ext>
+            </a:extLst>
+          </p:cNvPr>
+          <p:cNvPicPr>
+            <a:picLocks noChangeAspect="1"/>
+          </p:cNvPicPr>
+          <p:nvPr/>
+        </p:nvPicPr>
+        <p:blipFill>
+          <a:blip r:embed="rId14">
+            <a:extLst>
+              <a:ext uri="{28A0092B-C50C-407E-A947-70E740481C1C}">
+                <a14:useLocalDpi xmlns:a14="http://schemas.microsoft.com/office/drawing/2010/main" val="0"/>
+              </a:ext>
+            </a:extLst>
+          </a:blip>
+          <a:stretch>
+            <a:fillRect/>
+          </a:stretch>
+        </p:blipFill>
+        <p:spPr>
+          <a:xfrm>
+            <a:off x="1809750" y="0"/>
+            <a:ext cx="8572500" cy="6858000"/>
+          </a:xfrm>
+          <a:prstGeom prst="rect">
+            <a:avLst/>
+          </a:prstGeom>
+        </p:spPr>
+      </p:pic>
+    </p:spTree>
+    <p:extLst>
+      <p:ext uri="{BB962C8B-B14F-4D97-AF65-F5344CB8AC3E}">
+        <p14:creationId xmlns:p14="http://schemas.microsoft.com/office/powerpoint/2010/main" val="95992585"/>
+      </p:ext>
+    </p:extLst>
+  </p:cSld>
+  <p:clrMapOvr>
+    <a:masterClrMapping/>
+  </p:clrMapOvr>
+</p:sld>
+</file>
+
+<file path=ppt/slides/slideTemplate.xml><?xml version="1.0" encoding="utf-8"?>
+<p:sld xmlns:a="http://schemas.openxmlformats.org/drawingml/2006/main" xmlns:r="http://schemas.openxmlformats.org/officeDocument/2006/relationships" xmlns:p="http://schemas.openxmlformats.org/presentationml/2006/main">
+  <p:cSld>
+    <p:spTree>
+      <p:nvGrpSpPr>
+        <p:cNvPr id="1" name=""/>
+        <p:cNvGrpSpPr/>
+        <p:nvPr/>
+      </p:nvGrpSpPr>
+      <p:grpSpPr>
+        <a:xfrm>
+          <a:off x="0" y="0"/>
+          <a:ext cx="0" cy="0"/>
+          <a:chOff x="0" y="0"/>
+          <a:chExt cx="0" cy="0"/>
+        </a:xfrm>
+      </p:grpSpPr>
     </p:spTree>
     <p:extLst>
       <p:ext uri="{BB962C8B-B14F-4D97-AF65-F5344CB8AC3E}">
